--- a/docs/diagrams/UndoRedoNewCommand2StateListDiagram.pptx
+++ b/docs/diagrams/UndoRedoNewCommand2StateListDiagram.pptx
@@ -112,10 +112,6 @@
 </p:presentation>
 </file>
 
-<file path=ppt/revisionInfo.xml><?xml version="1.0" encoding="utf-8"?>
-<p1510:revInfo xmlns:a="http://schemas.openxmlformats.org/drawingml/2006/main" xmlns:r="http://schemas.openxmlformats.org/officeDocument/2006/relationships" xmlns:p1510="http://schemas.microsoft.com/office/powerpoint/2015/10/main"/>
-</file>
-
 <file path=ppt/slideLayouts/slideLayout1.xml><?xml version="1.0" encoding="utf-8"?>
 <p:sldLayout xmlns:a="http://schemas.openxmlformats.org/drawingml/2006/main" xmlns:r="http://schemas.openxmlformats.org/officeDocument/2006/relationships" xmlns:p="http://schemas.openxmlformats.org/presentationml/2006/main" type="title" preserve="1">
   <p:cSld name="Title Slide">
@@ -265,7 +261,7 @@
           <a:p>
             <a:fld id="{03EC4E3E-8101-482F-A883-8B55DAFF7C07}" type="datetimeFigureOut">
               <a:rPr lang="en-SG" smtClean="0"/>
-              <a:t>6/7/2018</a:t>
+              <a:t>9/4/2019</a:t>
             </a:fld>
             <a:endParaRPr lang="en-SG"/>
           </a:p>
@@ -465,7 +461,7 @@
           <a:p>
             <a:fld id="{03EC4E3E-8101-482F-A883-8B55DAFF7C07}" type="datetimeFigureOut">
               <a:rPr lang="en-SG" smtClean="0"/>
-              <a:t>6/7/2018</a:t>
+              <a:t>9/4/2019</a:t>
             </a:fld>
             <a:endParaRPr lang="en-SG"/>
           </a:p>
@@ -675,7 +671,7 @@
           <a:p>
             <a:fld id="{03EC4E3E-8101-482F-A883-8B55DAFF7C07}" type="datetimeFigureOut">
               <a:rPr lang="en-SG" smtClean="0"/>
-              <a:t>6/7/2018</a:t>
+              <a:t>9/4/2019</a:t>
             </a:fld>
             <a:endParaRPr lang="en-SG"/>
           </a:p>
@@ -875,7 +871,7 @@
           <a:p>
             <a:fld id="{03EC4E3E-8101-482F-A883-8B55DAFF7C07}" type="datetimeFigureOut">
               <a:rPr lang="en-SG" smtClean="0"/>
-              <a:t>6/7/2018</a:t>
+              <a:t>9/4/2019</a:t>
             </a:fld>
             <a:endParaRPr lang="en-SG"/>
           </a:p>
@@ -1151,7 +1147,7 @@
           <a:p>
             <a:fld id="{03EC4E3E-8101-482F-A883-8B55DAFF7C07}" type="datetimeFigureOut">
               <a:rPr lang="en-SG" smtClean="0"/>
-              <a:t>6/7/2018</a:t>
+              <a:t>9/4/2019</a:t>
             </a:fld>
             <a:endParaRPr lang="en-SG"/>
           </a:p>
@@ -1419,7 +1415,7 @@
           <a:p>
             <a:fld id="{03EC4E3E-8101-482F-A883-8B55DAFF7C07}" type="datetimeFigureOut">
               <a:rPr lang="en-SG" smtClean="0"/>
-              <a:t>6/7/2018</a:t>
+              <a:t>9/4/2019</a:t>
             </a:fld>
             <a:endParaRPr lang="en-SG"/>
           </a:p>
@@ -1834,7 +1830,7 @@
           <a:p>
             <a:fld id="{03EC4E3E-8101-482F-A883-8B55DAFF7C07}" type="datetimeFigureOut">
               <a:rPr lang="en-SG" smtClean="0"/>
-              <a:t>6/7/2018</a:t>
+              <a:t>9/4/2019</a:t>
             </a:fld>
             <a:endParaRPr lang="en-SG"/>
           </a:p>
@@ -1976,7 +1972,7 @@
           <a:p>
             <a:fld id="{03EC4E3E-8101-482F-A883-8B55DAFF7C07}" type="datetimeFigureOut">
               <a:rPr lang="en-SG" smtClean="0"/>
-              <a:t>6/7/2018</a:t>
+              <a:t>9/4/2019</a:t>
             </a:fld>
             <a:endParaRPr lang="en-SG"/>
           </a:p>
@@ -2089,7 +2085,7 @@
           <a:p>
             <a:fld id="{03EC4E3E-8101-482F-A883-8B55DAFF7C07}" type="datetimeFigureOut">
               <a:rPr lang="en-SG" smtClean="0"/>
-              <a:t>6/7/2018</a:t>
+              <a:t>9/4/2019</a:t>
             </a:fld>
             <a:endParaRPr lang="en-SG"/>
           </a:p>
@@ -2402,7 +2398,7 @@
           <a:p>
             <a:fld id="{03EC4E3E-8101-482F-A883-8B55DAFF7C07}" type="datetimeFigureOut">
               <a:rPr lang="en-SG" smtClean="0"/>
-              <a:t>6/7/2018</a:t>
+              <a:t>9/4/2019</a:t>
             </a:fld>
             <a:endParaRPr lang="en-SG"/>
           </a:p>
@@ -2691,7 +2687,7 @@
           <a:p>
             <a:fld id="{03EC4E3E-8101-482F-A883-8B55DAFF7C07}" type="datetimeFigureOut">
               <a:rPr lang="en-SG" smtClean="0"/>
-              <a:t>6/7/2018</a:t>
+              <a:t>9/4/2019</a:t>
             </a:fld>
             <a:endParaRPr lang="en-SG"/>
           </a:p>
@@ -2934,7 +2930,7 @@
           <a:p>
             <a:fld id="{03EC4E3E-8101-482F-A883-8B55DAFF7C07}" type="datetimeFigureOut">
               <a:rPr lang="en-SG" smtClean="0"/>
-              <a:t>6/7/2018</a:t>
+              <a:t>9/4/2019</a:t>
             </a:fld>
             <a:endParaRPr lang="en-SG"/>
           </a:p>
@@ -3359,8 +3355,8 @@
         </p:nvSpPr>
         <p:spPr>
           <a:xfrm>
-            <a:off x="5129284" y="2264095"/>
-            <a:ext cx="1933431" cy="1383977"/>
+            <a:off x="5129285" y="2264095"/>
+            <a:ext cx="1707744" cy="1383977"/>
           </a:xfrm>
           <a:prstGeom prst="downArrow">
             <a:avLst/>
@@ -3389,7 +3385,7 @@
             <a:pPr algn="ctr"/>
             <a:r>
               <a:rPr lang="en-SG" dirty="0"/>
-              <a:t>Add n/David… </a:t>
+              <a:t>Add n/CS2113… </a:t>
             </a:r>
             <a:endParaRPr lang="en-US" dirty="0"/>
           </a:p>
@@ -3454,7 +3450,7 @@
           <p:nvPr>
             <p:extLst>
               <p:ext uri="{D42A27DB-BD31-4B8C-83A1-F6EECF244321}">
-                <p14:modId xmlns:p14="http://schemas.microsoft.com/office/powerpoint/2010/main" val="3571951523"/>
+                <p14:modId xmlns:p14="http://schemas.microsoft.com/office/powerpoint/2010/main" val="323832130"/>
               </p:ext>
             </p:extLst>
           </p:nvPr>
@@ -3486,11 +3482,11 @@
                     <a:p>
                       <a:r>
                         <a:rPr lang="en-SG" u="sng" dirty="0"/>
-                        <a:t>ab0:A</a:t>
+                        <a:t>tb0:Task</a:t>
                       </a:r>
                       <a:r>
                         <a:rPr lang="en-SG" sz="1800" u="sng" dirty="0"/>
-                        <a:t>ddressBook</a:t>
+                        <a:t>Book</a:t>
                       </a:r>
                       <a:endParaRPr lang="en-SG" sz="1600" u="sng" dirty="0"/>
                     </a:p>
@@ -3658,7 +3654,7 @@
           <p:nvPr>
             <p:extLst>
               <p:ext uri="{D42A27DB-BD31-4B8C-83A1-F6EECF244321}">
-                <p14:modId xmlns:p14="http://schemas.microsoft.com/office/powerpoint/2010/main" val="2341913009"/>
+                <p14:modId xmlns:p14="http://schemas.microsoft.com/office/powerpoint/2010/main" val="2613471169"/>
               </p:ext>
             </p:extLst>
           </p:nvPr>
@@ -3690,11 +3686,11 @@
                     <a:p>
                       <a:r>
                         <a:rPr lang="en-SG" u="sng" dirty="0"/>
-                        <a:t>ab1:A</a:t>
+                        <a:t>tb1:Task</a:t>
                       </a:r>
                       <a:r>
                         <a:rPr lang="en-SG" sz="1800" u="sng" dirty="0"/>
-                        <a:t>ddressBook</a:t>
+                        <a:t>Book</a:t>
                       </a:r>
                       <a:endParaRPr lang="en-SG" sz="1600" u="sng" dirty="0"/>
                     </a:p>
@@ -3726,7 +3722,7 @@
           <p:nvPr>
             <p:extLst>
               <p:ext uri="{D42A27DB-BD31-4B8C-83A1-F6EECF244321}">
-                <p14:modId xmlns:p14="http://schemas.microsoft.com/office/powerpoint/2010/main" val="2172716932"/>
+                <p14:modId xmlns:p14="http://schemas.microsoft.com/office/powerpoint/2010/main" val="3187018641"/>
               </p:ext>
             </p:extLst>
           </p:nvPr>
@@ -3757,12 +3753,12 @@
                     <a:lstStyle/>
                     <a:p>
                       <a:r>
-                        <a:rPr lang="en-SG" u="sng"/>
-                        <a:t>ab2:A</a:t>
+                        <a:rPr lang="en-SG" u="sng" dirty="0"/>
+                        <a:t>tb2:Task</a:t>
                       </a:r>
                       <a:r>
-                        <a:rPr lang="en-SG" sz="1800" u="sng"/>
-                        <a:t>ddressBook</a:t>
+                        <a:rPr lang="en-SG" sz="1800" u="sng" dirty="0"/>
+                        <a:t>Book</a:t>
                       </a:r>
                       <a:endParaRPr lang="en-SG" sz="1600" u="sng" dirty="0"/>
                     </a:p>
@@ -3794,7 +3790,7 @@
           <p:nvPr>
             <p:extLst>
               <p:ext uri="{D42A27DB-BD31-4B8C-83A1-F6EECF244321}">
-                <p14:modId xmlns:p14="http://schemas.microsoft.com/office/powerpoint/2010/main" val="4094059841"/>
+                <p14:modId xmlns:p14="http://schemas.microsoft.com/office/powerpoint/2010/main" val="1251801867"/>
               </p:ext>
             </p:extLst>
           </p:nvPr>
@@ -3826,11 +3822,11 @@
                     <a:p>
                       <a:r>
                         <a:rPr lang="en-SG" u="sng" dirty="0"/>
-                        <a:t>ab1:A</a:t>
+                        <a:t>tb1:Task</a:t>
                       </a:r>
                       <a:r>
                         <a:rPr lang="en-SG" sz="1800" u="sng" dirty="0"/>
-                        <a:t>ddressBook</a:t>
+                        <a:t>Book</a:t>
                       </a:r>
                       <a:endParaRPr lang="en-SG" sz="1600" u="sng" dirty="0"/>
                     </a:p>
@@ -3862,7 +3858,7 @@
           <p:nvPr>
             <p:extLst>
               <p:ext uri="{D42A27DB-BD31-4B8C-83A1-F6EECF244321}">
-                <p14:modId xmlns:p14="http://schemas.microsoft.com/office/powerpoint/2010/main" val="3467820198"/>
+                <p14:modId xmlns:p14="http://schemas.microsoft.com/office/powerpoint/2010/main" val="1571922274"/>
               </p:ext>
             </p:extLst>
           </p:nvPr>
@@ -3894,11 +3890,11 @@
                     <a:p>
                       <a:r>
                         <a:rPr lang="en-SG" u="sng" dirty="0"/>
-                        <a:t>ab0:A</a:t>
+                        <a:t>tb0:Task</a:t>
                       </a:r>
                       <a:r>
                         <a:rPr lang="en-SG" sz="1800" u="sng" dirty="0"/>
-                        <a:t>ddressBook</a:t>
+                        <a:t>Book</a:t>
                       </a:r>
                       <a:endParaRPr lang="en-SG" sz="1600" u="sng" dirty="0"/>
                     </a:p>
